--- a/DAY1/01 - Introduction to Learning/Introduction to Learning.pptx
+++ b/DAY1/01 - Introduction to Learning/Introduction to Learning.pptx
@@ -31,15 +31,8 @@
       <p:boldItalic r:id="rId17"/>
     </p:embeddedFont>
     <p:embeddedFont>
-      <p:font typeface="Calibri" panose="020F0502020204030204" pitchFamily="34" charset="0"/>
+      <p:font typeface="Cambria Math" panose="02040503050406030204" pitchFamily="18" charset="0"/>
       <p:regular r:id="rId18"/>
-      <p:bold r:id="rId19"/>
-      <p:italic r:id="rId20"/>
-      <p:boldItalic r:id="rId21"/>
-    </p:embeddedFont>
-    <p:embeddedFont>
-      <p:font typeface="Cambria Math" panose="02040503050406030204" pitchFamily="18" charset="0"/>
-      <p:regular r:id="rId22"/>
     </p:embeddedFont>
   </p:embeddedFontLst>
   <p:defaultTextStyle>
@@ -849,7 +842,7 @@
           <a:lstStyle/>
           <a:p>
             <a:fld id="{383FCE59-ED68-1145-BEA5-66C22E95295E}" type="datetimeFigureOut">
-              <a:t>02.10.2023</a:t>
+              <a:t>06.01.2024</a:t>
             </a:fld>
             <a:endParaRPr lang="en-CH"/>
           </a:p>
@@ -1058,7 +1051,7 @@
           <a:lstStyle/>
           <a:p>
             <a:fld id="{383FCE59-ED68-1145-BEA5-66C22E95295E}" type="datetimeFigureOut">
-              <a:t>02.10.2023</a:t>
+              <a:t>06.01.2024</a:t>
             </a:fld>
             <a:endParaRPr lang="en-CH"/>
           </a:p>
@@ -1277,7 +1270,7 @@
           <a:lstStyle/>
           <a:p>
             <a:fld id="{383FCE59-ED68-1145-BEA5-66C22E95295E}" type="datetimeFigureOut">
-              <a:t>02.10.2023</a:t>
+              <a:t>06.01.2024</a:t>
             </a:fld>
             <a:endParaRPr lang="en-CH"/>
           </a:p>
@@ -1486,7 +1479,7 @@
           <a:lstStyle/>
           <a:p>
             <a:fld id="{383FCE59-ED68-1145-BEA5-66C22E95295E}" type="datetimeFigureOut">
-              <a:t>02.10.2023</a:t>
+              <a:t>06.01.2024</a:t>
             </a:fld>
             <a:endParaRPr lang="en-CH"/>
           </a:p>
@@ -1771,7 +1764,7 @@
           <a:lstStyle/>
           <a:p>
             <a:fld id="{383FCE59-ED68-1145-BEA5-66C22E95295E}" type="datetimeFigureOut">
-              <a:t>02.10.2023</a:t>
+              <a:t>06.01.2024</a:t>
             </a:fld>
             <a:endParaRPr lang="en-CH"/>
           </a:p>
@@ -2048,7 +2041,7 @@
           <a:lstStyle/>
           <a:p>
             <a:fld id="{383FCE59-ED68-1145-BEA5-66C22E95295E}" type="datetimeFigureOut">
-              <a:t>02.10.2023</a:t>
+              <a:t>06.01.2024</a:t>
             </a:fld>
             <a:endParaRPr lang="en-CH"/>
           </a:p>
@@ -2472,7 +2465,7 @@
           <a:lstStyle/>
           <a:p>
             <a:fld id="{383FCE59-ED68-1145-BEA5-66C22E95295E}" type="datetimeFigureOut">
-              <a:t>02.10.2023</a:t>
+              <a:t>06.01.2024</a:t>
             </a:fld>
             <a:endParaRPr lang="en-CH"/>
           </a:p>
@@ -2623,7 +2616,7 @@
           <a:lstStyle/>
           <a:p>
             <a:fld id="{383FCE59-ED68-1145-BEA5-66C22E95295E}" type="datetimeFigureOut">
-              <a:t>02.10.2023</a:t>
+              <a:t>06.01.2024</a:t>
             </a:fld>
             <a:endParaRPr lang="en-CH"/>
           </a:p>
@@ -2745,7 +2738,7 @@
           <a:lstStyle/>
           <a:p>
             <a:fld id="{383FCE59-ED68-1145-BEA5-66C22E95295E}" type="datetimeFigureOut">
-              <a:t>02.10.2023</a:t>
+              <a:t>06.01.2024</a:t>
             </a:fld>
             <a:endParaRPr lang="en-CH"/>
           </a:p>
@@ -3067,7 +3060,7 @@
           <a:lstStyle/>
           <a:p>
             <a:fld id="{383FCE59-ED68-1145-BEA5-66C22E95295E}" type="datetimeFigureOut">
-              <a:t>02.10.2023</a:t>
+              <a:t>06.01.2024</a:t>
             </a:fld>
             <a:endParaRPr lang="en-CH"/>
           </a:p>
@@ -3365,7 +3358,7 @@
           <a:lstStyle/>
           <a:p>
             <a:fld id="{383FCE59-ED68-1145-BEA5-66C22E95295E}" type="datetimeFigureOut">
-              <a:t>02.10.2023</a:t>
+              <a:t>06.01.2024</a:t>
             </a:fld>
             <a:endParaRPr lang="en-CH"/>
           </a:p>
@@ -3620,7 +3613,7 @@
             <a:fld id="{383FCE59-ED68-1145-BEA5-66C22E95295E}" type="datetimeFigureOut">
               <a:rPr lang="en-CH"/>
               <a:pPr/>
-              <a:t>02.10.2023</a:t>
+              <a:t>06.01.2024</a:t>
             </a:fld>
             <a:endParaRPr lang="en-CH"/>
           </a:p>
@@ -3719,36 +3712,6 @@
           </a:p>
         </p:txBody>
       </p:sp>
-      <p:pic>
-        <p:nvPicPr>
-          <p:cNvPr id="7" name="Picture 6">
-            <a:extLst>
-              <a:ext uri="{FF2B5EF4-FFF2-40B4-BE49-F238E27FC236}">
-                <a16:creationId xmlns:a16="http://schemas.microsoft.com/office/drawing/2014/main" id="{A5149550-2844-26C3-AEB7-3BD213F8F3E2}"/>
-              </a:ext>
-            </a:extLst>
-          </p:cNvPr>
-          <p:cNvPicPr>
-            <a:picLocks noChangeAspect="1"/>
-          </p:cNvPicPr>
-          <p:nvPr userDrawn="1"/>
-        </p:nvPicPr>
-        <p:blipFill>
-          <a:blip r:embed="rId13"/>
-          <a:stretch>
-            <a:fillRect/>
-          </a:stretch>
-        </p:blipFill>
-        <p:spPr>
-          <a:xfrm>
-            <a:off x="7017026" y="127396"/>
-            <a:ext cx="2000250" cy="171450"/>
-          </a:xfrm>
-          <a:prstGeom prst="rect">
-            <a:avLst/>
-          </a:prstGeom>
-        </p:spPr>
-      </p:pic>
     </p:spTree>
     <p:extLst>
       <p:ext uri="{BB962C8B-B14F-4D97-AF65-F5344CB8AC3E}">
@@ -7982,8 +7945,8 @@
           </a:p>
         </p:txBody>
       </p:sp>
-      <mc:AlternateContent xmlns:mc="http://schemas.openxmlformats.org/markup-compatibility/2006">
-        <mc:Choice xmlns:a14="http://schemas.microsoft.com/office/drawing/2010/main" Requires="a14">
+      <mc:AlternateContent xmlns:mc="http://schemas.openxmlformats.org/markup-compatibility/2006" xmlns:a14="http://schemas.microsoft.com/office/drawing/2010/main">
+        <mc:Choice Requires="a14">
           <p:sp>
             <p:nvSpPr>
               <p:cNvPr id="3" name="Content Placeholder 2">
@@ -8253,7 +8216,7 @@
             </p:txBody>
           </p:sp>
         </mc:Choice>
-        <mc:Fallback>
+        <mc:Fallback xmlns="">
           <p:sp>
             <p:nvSpPr>
               <p:cNvPr id="3" name="Content Placeholder 2">

--- a/DAY1/01 - Introduction to Learning/Introduction to Learning.pptx
+++ b/DAY1/01 - Introduction to Learning/Introduction to Learning.pptx
@@ -5,7 +5,7 @@
     <p:sldMasterId id="2147483663" r:id="rId1"/>
   </p:sldMasterIdLst>
   <p:notesMasterIdLst>
-    <p:notesMasterId r:id="rId13"/>
+    <p:notesMasterId r:id="rId12"/>
   </p:notesMasterIdLst>
   <p:sldIdLst>
     <p:sldId id="256" r:id="rId2"/>
@@ -14,25 +14,24 @@
     <p:sldId id="349" r:id="rId5"/>
     <p:sldId id="350" r:id="rId6"/>
     <p:sldId id="301" r:id="rId7"/>
-    <p:sldId id="302" r:id="rId8"/>
-    <p:sldId id="321" r:id="rId9"/>
-    <p:sldId id="303" r:id="rId10"/>
-    <p:sldId id="320" r:id="rId11"/>
-    <p:sldId id="351" r:id="rId12"/>
+    <p:sldId id="321" r:id="rId8"/>
+    <p:sldId id="303" r:id="rId9"/>
+    <p:sldId id="320" r:id="rId10"/>
+    <p:sldId id="351" r:id="rId11"/>
   </p:sldIdLst>
   <p:sldSz cx="9144000" cy="5143500" type="screen16x9"/>
   <p:notesSz cx="6858000" cy="9144000"/>
   <p:embeddedFontLst>
     <p:embeddedFont>
       <p:font typeface="Arial Narrow" panose="020B0604020202020204" pitchFamily="34" charset="0"/>
-      <p:regular r:id="rId14"/>
-      <p:bold r:id="rId15"/>
-      <p:italic r:id="rId16"/>
-      <p:boldItalic r:id="rId17"/>
+      <p:regular r:id="rId13"/>
+      <p:bold r:id="rId14"/>
+      <p:italic r:id="rId15"/>
+      <p:boldItalic r:id="rId16"/>
     </p:embeddedFont>
     <p:embeddedFont>
       <p:font typeface="Cambria Math" panose="02040503050406030204" pitchFamily="18" charset="0"/>
-      <p:regular r:id="rId18"/>
+      <p:regular r:id="rId17"/>
     </p:embeddedFont>
   </p:embeddedFontLst>
   <p:defaultTextStyle>
@@ -842,7 +841,7 @@
           <a:lstStyle/>
           <a:p>
             <a:fld id="{383FCE59-ED68-1145-BEA5-66C22E95295E}" type="datetimeFigureOut">
-              <a:t>06.01.2024</a:t>
+              <a:t>11.01.2024</a:t>
             </a:fld>
             <a:endParaRPr lang="en-CH"/>
           </a:p>
@@ -1051,7 +1050,7 @@
           <a:lstStyle/>
           <a:p>
             <a:fld id="{383FCE59-ED68-1145-BEA5-66C22E95295E}" type="datetimeFigureOut">
-              <a:t>06.01.2024</a:t>
+              <a:t>11.01.2024</a:t>
             </a:fld>
             <a:endParaRPr lang="en-CH"/>
           </a:p>
@@ -1270,7 +1269,7 @@
           <a:lstStyle/>
           <a:p>
             <a:fld id="{383FCE59-ED68-1145-BEA5-66C22E95295E}" type="datetimeFigureOut">
-              <a:t>06.01.2024</a:t>
+              <a:t>11.01.2024</a:t>
             </a:fld>
             <a:endParaRPr lang="en-CH"/>
           </a:p>
@@ -1479,7 +1478,7 @@
           <a:lstStyle/>
           <a:p>
             <a:fld id="{383FCE59-ED68-1145-BEA5-66C22E95295E}" type="datetimeFigureOut">
-              <a:t>06.01.2024</a:t>
+              <a:t>11.01.2024</a:t>
             </a:fld>
             <a:endParaRPr lang="en-CH"/>
           </a:p>
@@ -1764,7 +1763,7 @@
           <a:lstStyle/>
           <a:p>
             <a:fld id="{383FCE59-ED68-1145-BEA5-66C22E95295E}" type="datetimeFigureOut">
-              <a:t>06.01.2024</a:t>
+              <a:t>11.01.2024</a:t>
             </a:fld>
             <a:endParaRPr lang="en-CH"/>
           </a:p>
@@ -2041,7 +2040,7 @@
           <a:lstStyle/>
           <a:p>
             <a:fld id="{383FCE59-ED68-1145-BEA5-66C22E95295E}" type="datetimeFigureOut">
-              <a:t>06.01.2024</a:t>
+              <a:t>11.01.2024</a:t>
             </a:fld>
             <a:endParaRPr lang="en-CH"/>
           </a:p>
@@ -2465,7 +2464,7 @@
           <a:lstStyle/>
           <a:p>
             <a:fld id="{383FCE59-ED68-1145-BEA5-66C22E95295E}" type="datetimeFigureOut">
-              <a:t>06.01.2024</a:t>
+              <a:t>11.01.2024</a:t>
             </a:fld>
             <a:endParaRPr lang="en-CH"/>
           </a:p>
@@ -2616,7 +2615,7 @@
           <a:lstStyle/>
           <a:p>
             <a:fld id="{383FCE59-ED68-1145-BEA5-66C22E95295E}" type="datetimeFigureOut">
-              <a:t>06.01.2024</a:t>
+              <a:t>11.01.2024</a:t>
             </a:fld>
             <a:endParaRPr lang="en-CH"/>
           </a:p>
@@ -2738,7 +2737,7 @@
           <a:lstStyle/>
           <a:p>
             <a:fld id="{383FCE59-ED68-1145-BEA5-66C22E95295E}" type="datetimeFigureOut">
-              <a:t>06.01.2024</a:t>
+              <a:t>11.01.2024</a:t>
             </a:fld>
             <a:endParaRPr lang="en-CH"/>
           </a:p>
@@ -3060,7 +3059,7 @@
           <a:lstStyle/>
           <a:p>
             <a:fld id="{383FCE59-ED68-1145-BEA5-66C22E95295E}" type="datetimeFigureOut">
-              <a:t>06.01.2024</a:t>
+              <a:t>11.01.2024</a:t>
             </a:fld>
             <a:endParaRPr lang="en-CH"/>
           </a:p>
@@ -3358,7 +3357,7 @@
           <a:lstStyle/>
           <a:p>
             <a:fld id="{383FCE59-ED68-1145-BEA5-66C22E95295E}" type="datetimeFigureOut">
-              <a:t>06.01.2024</a:t>
+              <a:t>11.01.2024</a:t>
             </a:fld>
             <a:endParaRPr lang="en-CH"/>
           </a:p>
@@ -3613,7 +3612,7 @@
             <a:fld id="{383FCE59-ED68-1145-BEA5-66C22E95295E}" type="datetimeFigureOut">
               <a:rPr lang="en-CH"/>
               <a:pPr/>
-              <a:t>06.01.2024</a:t>
+              <a:t>11.01.2024</a:t>
             </a:fld>
             <a:endParaRPr lang="en-CH"/>
           </a:p>
@@ -4149,196 +4148,6 @@
 </file>
 
 <file path=ppt/slides/slide10.xml><?xml version="1.0" encoding="utf-8"?>
-<p:sld xmlns:a="http://schemas.openxmlformats.org/drawingml/2006/main" xmlns:r="http://schemas.openxmlformats.org/officeDocument/2006/relationships" xmlns:p="http://schemas.openxmlformats.org/presentationml/2006/main">
-  <p:cSld>
-    <p:spTree>
-      <p:nvGrpSpPr>
-        <p:cNvPr id="1" name=""/>
-        <p:cNvGrpSpPr/>
-        <p:nvPr/>
-      </p:nvGrpSpPr>
-      <p:grpSpPr>
-        <a:xfrm>
-          <a:off x="0" y="0"/>
-          <a:ext cx="0" cy="0"/>
-          <a:chOff x="0" y="0"/>
-          <a:chExt cx="0" cy="0"/>
-        </a:xfrm>
-      </p:grpSpPr>
-      <p:sp>
-        <p:nvSpPr>
-          <p:cNvPr id="2" name="Title 1">
-            <a:extLst>
-              <a:ext uri="{FF2B5EF4-FFF2-40B4-BE49-F238E27FC236}">
-                <a16:creationId xmlns:a16="http://schemas.microsoft.com/office/drawing/2014/main" id="{3FF85E5A-B5A2-531F-6EF1-4847B697086C}"/>
-              </a:ext>
-            </a:extLst>
-          </p:cNvPr>
-          <p:cNvSpPr>
-            <a:spLocks noGrp="1"/>
-          </p:cNvSpPr>
-          <p:nvPr>
-            <p:ph type="title"/>
-          </p:nvPr>
-        </p:nvSpPr>
-        <p:spPr>
-          <a:xfrm>
-            <a:off x="144556" y="135532"/>
-            <a:ext cx="7886700" cy="502243"/>
-          </a:xfrm>
-        </p:spPr>
-        <p:txBody>
-          <a:bodyPr>
-            <a:normAutofit fontScale="90000"/>
-          </a:bodyPr>
-          <a:lstStyle/>
-          <a:p>
-            <a:r>
-              <a:rPr lang="en-CH"/>
-              <a:t>Example of learning</a:t>
-            </a:r>
-          </a:p>
-        </p:txBody>
-      </p:sp>
-      <p:pic>
-        <p:nvPicPr>
-          <p:cNvPr id="3074" name="Picture 2" descr="A Practical Approach to Linear Regression in Machine Learning | by Ashwin  Raj | Towards Data Science">
-            <a:extLst>
-              <a:ext uri="{FF2B5EF4-FFF2-40B4-BE49-F238E27FC236}">
-                <a16:creationId xmlns:a16="http://schemas.microsoft.com/office/drawing/2014/main" id="{04788929-A5E0-C7D1-C405-9B7F1856F5C6}"/>
-              </a:ext>
-            </a:extLst>
-          </p:cNvPr>
-          <p:cNvPicPr>
-            <a:picLocks noGrp="1" noChangeAspect="1" noChangeArrowheads="1"/>
-          </p:cNvPicPr>
-          <p:nvPr>
-            <p:ph idx="1"/>
-          </p:nvPr>
-        </p:nvPicPr>
-        <p:blipFill>
-          <a:blip r:embed="rId2">
-            <a:extLst>
-              <a:ext uri="{28A0092B-C50C-407E-A947-70E740481C1C}">
-                <a14:useLocalDpi xmlns:a14="http://schemas.microsoft.com/office/drawing/2010/main" val="0"/>
-              </a:ext>
-            </a:extLst>
-          </a:blip>
-          <a:srcRect/>
-          <a:stretch>
-            <a:fillRect/>
-          </a:stretch>
-        </p:blipFill>
-        <p:spPr bwMode="auto">
-          <a:xfrm>
-            <a:off x="2018708" y="637775"/>
-            <a:ext cx="5106583" cy="3829937"/>
-          </a:xfrm>
-          <a:prstGeom prst="rect">
-            <a:avLst/>
-          </a:prstGeom>
-          <a:noFill/>
-          <a:extLst>
-            <a:ext uri="{909E8E84-426E-40DD-AFC4-6F175D3DCCD1}">
-              <a14:hiddenFill xmlns:a14="http://schemas.microsoft.com/office/drawing/2010/main">
-                <a:solidFill>
-                  <a:srgbClr val="FFFFFF"/>
-                </a:solidFill>
-              </a14:hiddenFill>
-            </a:ext>
-          </a:extLst>
-        </p:spPr>
-      </p:pic>
-      <p:sp>
-        <p:nvSpPr>
-          <p:cNvPr id="4" name="TextBox 3">
-            <a:extLst>
-              <a:ext uri="{FF2B5EF4-FFF2-40B4-BE49-F238E27FC236}">
-                <a16:creationId xmlns:a16="http://schemas.microsoft.com/office/drawing/2014/main" id="{88C4DAC0-61B2-02C0-4DE8-8D0E91B1702D}"/>
-              </a:ext>
-            </a:extLst>
-          </p:cNvPr>
-          <p:cNvSpPr txBox="1"/>
-          <p:nvPr/>
-        </p:nvSpPr>
-        <p:spPr>
-          <a:xfrm>
-            <a:off x="7388391" y="4881010"/>
-            <a:ext cx="1755609" cy="253916"/>
-          </a:xfrm>
-          <a:prstGeom prst="rect">
-            <a:avLst/>
-          </a:prstGeom>
-          <a:noFill/>
-        </p:spPr>
-        <p:txBody>
-          <a:bodyPr wrap="none" rtlCol="0">
-            <a:spAutoFit/>
-          </a:bodyPr>
-          <a:lstStyle/>
-          <a:p>
-            <a:r>
-              <a:rPr lang="en-CH" sz="1050"/>
-              <a:t>Image © Towarddatascience</a:t>
-            </a:r>
-          </a:p>
-        </p:txBody>
-      </p:sp>
-      <p:cxnSp>
-        <p:nvCxnSpPr>
-          <p:cNvPr id="6" name="Straight Connector 5">
-            <a:extLst>
-              <a:ext uri="{FF2B5EF4-FFF2-40B4-BE49-F238E27FC236}">
-                <a16:creationId xmlns:a16="http://schemas.microsoft.com/office/drawing/2014/main" id="{C9D88843-BA68-45EC-319A-B62833A19C12}"/>
-              </a:ext>
-            </a:extLst>
-          </p:cNvPr>
-          <p:cNvCxnSpPr/>
-          <p:nvPr/>
-        </p:nvCxnSpPr>
-        <p:spPr>
-          <a:xfrm flipV="1">
-            <a:off x="2351314" y="1191025"/>
-            <a:ext cx="5037077" cy="2750885"/>
-          </a:xfrm>
-          <a:prstGeom prst="line">
-            <a:avLst/>
-          </a:prstGeom>
-          <a:ln w="38100">
-            <a:solidFill>
-              <a:srgbClr val="FF0000"/>
-            </a:solidFill>
-          </a:ln>
-        </p:spPr>
-        <p:style>
-          <a:lnRef idx="1">
-            <a:schemeClr val="accent1"/>
-          </a:lnRef>
-          <a:fillRef idx="0">
-            <a:schemeClr val="accent1"/>
-          </a:fillRef>
-          <a:effectRef idx="0">
-            <a:schemeClr val="accent1"/>
-          </a:effectRef>
-          <a:fontRef idx="minor">
-            <a:schemeClr val="tx1"/>
-          </a:fontRef>
-        </p:style>
-      </p:cxnSp>
-    </p:spTree>
-    <p:extLst>
-      <p:ext uri="{BB962C8B-B14F-4D97-AF65-F5344CB8AC3E}">
-        <p14:creationId xmlns:p14="http://schemas.microsoft.com/office/powerpoint/2010/main" val="2464196625"/>
-      </p:ext>
-    </p:extLst>
-  </p:cSld>
-  <p:clrMapOvr>
-    <a:masterClrMapping/>
-  </p:clrMapOvr>
-</p:sld>
-</file>
-
-<file path=ppt/slides/slide11.xml><?xml version="1.0" encoding="utf-8"?>
 <p:sld xmlns:a="http://schemas.openxmlformats.org/drawingml/2006/main" xmlns:r="http://schemas.openxmlformats.org/officeDocument/2006/relationships" xmlns:p="http://schemas.openxmlformats.org/presentationml/2006/main">
   <p:cSld>
     <p:spTree>
@@ -6555,367 +6364,6 @@
       </p:grpSpPr>
       <p:sp>
         <p:nvSpPr>
-          <p:cNvPr id="2" name="Title 1">
-            <a:extLst>
-              <a:ext uri="{FF2B5EF4-FFF2-40B4-BE49-F238E27FC236}">
-                <a16:creationId xmlns:a16="http://schemas.microsoft.com/office/drawing/2014/main" id="{ED959AC2-3A75-D2DD-4D18-BBC501C12C3A}"/>
-              </a:ext>
-            </a:extLst>
-          </p:cNvPr>
-          <p:cNvSpPr>
-            <a:spLocks noGrp="1"/>
-          </p:cNvSpPr>
-          <p:nvPr>
-            <p:ph type="title"/>
-          </p:nvPr>
-        </p:nvSpPr>
-        <p:spPr>
-          <a:xfrm>
-            <a:off x="337930" y="266160"/>
-            <a:ext cx="7886700" cy="994172"/>
-          </a:xfrm>
-        </p:spPr>
-        <p:txBody>
-          <a:bodyPr/>
-          <a:lstStyle/>
-          <a:p>
-            <a:r>
-              <a:rPr lang="en-CH"/>
-              <a:t>An intuitive definition of learning</a:t>
-            </a:r>
-          </a:p>
-        </p:txBody>
-      </p:sp>
-      <p:pic>
-        <p:nvPicPr>
-          <p:cNvPr id="3" name="Picture 2">
-            <a:extLst>
-              <a:ext uri="{FF2B5EF4-FFF2-40B4-BE49-F238E27FC236}">
-                <a16:creationId xmlns:a16="http://schemas.microsoft.com/office/drawing/2014/main" id="{B936CD94-BFEE-9551-15B0-488C68806EFF}"/>
-              </a:ext>
-            </a:extLst>
-          </p:cNvPr>
-          <p:cNvPicPr>
-            <a:picLocks noChangeAspect="1"/>
-          </p:cNvPicPr>
-          <p:nvPr/>
-        </p:nvPicPr>
-        <p:blipFill>
-          <a:blip r:embed="rId2"/>
-          <a:stretch>
-            <a:fillRect/>
-          </a:stretch>
-        </p:blipFill>
-        <p:spPr>
-          <a:xfrm>
-            <a:off x="337930" y="1430170"/>
-            <a:ext cx="8468139" cy="1141580"/>
-          </a:xfrm>
-          <a:prstGeom prst="rect">
-            <a:avLst/>
-          </a:prstGeom>
-        </p:spPr>
-      </p:pic>
-      <p:sp>
-        <p:nvSpPr>
-          <p:cNvPr id="5" name="TextBox 4">
-            <a:extLst>
-              <a:ext uri="{FF2B5EF4-FFF2-40B4-BE49-F238E27FC236}">
-                <a16:creationId xmlns:a16="http://schemas.microsoft.com/office/drawing/2014/main" id="{4E51900E-884A-7706-FC27-62DB14B34982}"/>
-              </a:ext>
-            </a:extLst>
-          </p:cNvPr>
-          <p:cNvSpPr txBox="1"/>
-          <p:nvPr/>
-        </p:nvSpPr>
-        <p:spPr>
-          <a:xfrm>
-            <a:off x="1785523" y="4731156"/>
-            <a:ext cx="5572954" cy="276999"/>
-          </a:xfrm>
-          <a:prstGeom prst="rect">
-            <a:avLst/>
-          </a:prstGeom>
-          <a:noFill/>
-        </p:spPr>
-        <p:txBody>
-          <a:bodyPr wrap="square">
-            <a:spAutoFit/>
-          </a:bodyPr>
-          <a:lstStyle/>
-          <a:p>
-            <a:r>
-              <a:rPr lang="en-GB" sz="1200">
-                <a:latin typeface="Arial" panose="020B0604020202020204" pitchFamily="34" charset="0"/>
-              </a:rPr>
-              <a:t>U. Michelucci, </a:t>
-            </a:r>
-            <a:r>
-              <a:rPr lang="en-GB" sz="1200" i="1">
-                <a:latin typeface="Arial" panose="020B0604020202020204" pitchFamily="34" charset="0"/>
-              </a:rPr>
-              <a:t>Applied Deep Learning with TensorFlow 2</a:t>
-            </a:r>
-            <a:r>
-              <a:rPr lang="en-GB" sz="1200">
-                <a:latin typeface="Arial" panose="020B0604020202020204" pitchFamily="34" charset="0"/>
-              </a:rPr>
-              <a:t>, Springer Nature, 2022</a:t>
-            </a:r>
-          </a:p>
-        </p:txBody>
-      </p:sp>
-      <p:sp>
-        <p:nvSpPr>
-          <p:cNvPr id="6" name="TextBox 5">
-            <a:extLst>
-              <a:ext uri="{FF2B5EF4-FFF2-40B4-BE49-F238E27FC236}">
-                <a16:creationId xmlns:a16="http://schemas.microsoft.com/office/drawing/2014/main" id="{CCE883B4-51BF-7EB6-85AC-F33A46195842}"/>
-              </a:ext>
-            </a:extLst>
-          </p:cNvPr>
-          <p:cNvSpPr txBox="1"/>
-          <p:nvPr/>
-        </p:nvSpPr>
-        <p:spPr>
-          <a:xfrm>
-            <a:off x="630856" y="3127350"/>
-            <a:ext cx="7882286" cy="584775"/>
-          </a:xfrm>
-          <a:prstGeom prst="rect">
-            <a:avLst/>
-          </a:prstGeom>
-          <a:noFill/>
-        </p:spPr>
-        <p:txBody>
-          <a:bodyPr wrap="none" rtlCol="0">
-            <a:spAutoFit/>
-          </a:bodyPr>
-          <a:lstStyle/>
-          <a:p>
-            <a:r>
-              <a:rPr lang="en-CH" sz="3200">
-                <a:solidFill>
-                  <a:srgbClr val="FF0000"/>
-                </a:solidFill>
-                <a:latin typeface="Arial" panose="020B0604020202020204" pitchFamily="34" charset="0"/>
-                <a:cs typeface="Arial" panose="020B0604020202020204" pitchFamily="34" charset="0"/>
-              </a:rPr>
-              <a:t>What does it mean “as close as possible”?</a:t>
-            </a:r>
-          </a:p>
-        </p:txBody>
-      </p:sp>
-      <p:sp>
-        <p:nvSpPr>
-          <p:cNvPr id="7" name="TextBox 6">
-            <a:extLst>
-              <a:ext uri="{FF2B5EF4-FFF2-40B4-BE49-F238E27FC236}">
-                <a16:creationId xmlns:a16="http://schemas.microsoft.com/office/drawing/2014/main" id="{D4A50C6C-9A4A-079B-DCB0-719421785BF8}"/>
-              </a:ext>
-            </a:extLst>
-          </p:cNvPr>
-          <p:cNvSpPr txBox="1"/>
-          <p:nvPr/>
-        </p:nvSpPr>
-        <p:spPr>
-          <a:xfrm>
-            <a:off x="699368" y="3936832"/>
-            <a:ext cx="7745262" cy="461665"/>
-          </a:xfrm>
-          <a:prstGeom prst="rect">
-            <a:avLst/>
-          </a:prstGeom>
-          <a:noFill/>
-        </p:spPr>
-        <p:txBody>
-          <a:bodyPr wrap="none" rtlCol="0">
-            <a:spAutoFit/>
-          </a:bodyPr>
-          <a:lstStyle/>
-          <a:p>
-            <a:r>
-              <a:rPr lang="en-CH" sz="2400">
-                <a:latin typeface="Arial" panose="020B0604020202020204" pitchFamily="34" charset="0"/>
-                <a:cs typeface="Arial" panose="020B0604020202020204" pitchFamily="34" charset="0"/>
-              </a:rPr>
-              <a:t>We need a mathematical way of measuring “closeness”</a:t>
-            </a:r>
-          </a:p>
-        </p:txBody>
-      </p:sp>
-    </p:spTree>
-    <p:extLst>
-      <p:ext uri="{BB962C8B-B14F-4D97-AF65-F5344CB8AC3E}">
-        <p14:creationId xmlns:p14="http://schemas.microsoft.com/office/powerpoint/2010/main" val="362277904"/>
-      </p:ext>
-    </p:extLst>
-  </p:cSld>
-  <p:clrMapOvr>
-    <a:masterClrMapping/>
-  </p:clrMapOvr>
-  <p:timing>
-    <p:tnLst>
-      <p:par>
-        <p:cTn id="1" dur="indefinite" restart="never" nodeType="tmRoot">
-          <p:childTnLst>
-            <p:seq concurrent="1" nextAc="seek">
-              <p:cTn id="2" dur="indefinite" nodeType="mainSeq">
-                <p:childTnLst>
-                  <p:par>
-                    <p:cTn id="3" fill="hold">
-                      <p:stCondLst>
-                        <p:cond delay="indefinite"/>
-                      </p:stCondLst>
-                      <p:childTnLst>
-                        <p:par>
-                          <p:cTn id="4" fill="hold">
-                            <p:stCondLst>
-                              <p:cond delay="0"/>
-                            </p:stCondLst>
-                            <p:childTnLst>
-                              <p:par>
-                                <p:cTn id="5" presetID="10" presetClass="entr" presetSubtype="0" fill="hold" grpId="0" nodeType="clickEffect">
-                                  <p:stCondLst>
-                                    <p:cond delay="0"/>
-                                  </p:stCondLst>
-                                  <p:childTnLst>
-                                    <p:set>
-                                      <p:cBhvr>
-                                        <p:cTn id="6" dur="1" fill="hold">
-                                          <p:stCondLst>
-                                            <p:cond delay="0"/>
-                                          </p:stCondLst>
-                                        </p:cTn>
-                                        <p:tgtEl>
-                                          <p:spTgt spid="6"/>
-                                        </p:tgtEl>
-                                        <p:attrNameLst>
-                                          <p:attrName>style.visibility</p:attrName>
-                                        </p:attrNameLst>
-                                      </p:cBhvr>
-                                      <p:to>
-                                        <p:strVal val="visible"/>
-                                      </p:to>
-                                    </p:set>
-                                    <p:animEffect transition="in" filter="fade">
-                                      <p:cBhvr>
-                                        <p:cTn id="7" dur="500"/>
-                                        <p:tgtEl>
-                                          <p:spTgt spid="6"/>
-                                        </p:tgtEl>
-                                      </p:cBhvr>
-                                    </p:animEffect>
-                                  </p:childTnLst>
-                                </p:cTn>
-                              </p:par>
-                            </p:childTnLst>
-                          </p:cTn>
-                        </p:par>
-                      </p:childTnLst>
-                    </p:cTn>
-                  </p:par>
-                  <p:par>
-                    <p:cTn id="8" fill="hold">
-                      <p:stCondLst>
-                        <p:cond delay="indefinite"/>
-                      </p:stCondLst>
-                      <p:childTnLst>
-                        <p:par>
-                          <p:cTn id="9" fill="hold">
-                            <p:stCondLst>
-                              <p:cond delay="0"/>
-                            </p:stCondLst>
-                            <p:childTnLst>
-                              <p:par>
-                                <p:cTn id="10" presetID="10" presetClass="entr" presetSubtype="0" fill="hold" grpId="0" nodeType="clickEffect">
-                                  <p:stCondLst>
-                                    <p:cond delay="0"/>
-                                  </p:stCondLst>
-                                  <p:childTnLst>
-                                    <p:set>
-                                      <p:cBhvr>
-                                        <p:cTn id="11" dur="1" fill="hold">
-                                          <p:stCondLst>
-                                            <p:cond delay="0"/>
-                                          </p:stCondLst>
-                                        </p:cTn>
-                                        <p:tgtEl>
-                                          <p:spTgt spid="7"/>
-                                        </p:tgtEl>
-                                        <p:attrNameLst>
-                                          <p:attrName>style.visibility</p:attrName>
-                                        </p:attrNameLst>
-                                      </p:cBhvr>
-                                      <p:to>
-                                        <p:strVal val="visible"/>
-                                      </p:to>
-                                    </p:set>
-                                    <p:animEffect transition="in" filter="fade">
-                                      <p:cBhvr>
-                                        <p:cTn id="12" dur="500"/>
-                                        <p:tgtEl>
-                                          <p:spTgt spid="7"/>
-                                        </p:tgtEl>
-                                      </p:cBhvr>
-                                    </p:animEffect>
-                                  </p:childTnLst>
-                                </p:cTn>
-                              </p:par>
-                            </p:childTnLst>
-                          </p:cTn>
-                        </p:par>
-                      </p:childTnLst>
-                    </p:cTn>
-                  </p:par>
-                </p:childTnLst>
-              </p:cTn>
-              <p:prevCondLst>
-                <p:cond evt="onPrev" delay="0">
-                  <p:tgtEl>
-                    <p:sldTgt/>
-                  </p:tgtEl>
-                </p:cond>
-              </p:prevCondLst>
-              <p:nextCondLst>
-                <p:cond evt="onNext" delay="0">
-                  <p:tgtEl>
-                    <p:sldTgt/>
-                  </p:tgtEl>
-                </p:cond>
-              </p:nextCondLst>
-            </p:seq>
-          </p:childTnLst>
-        </p:cTn>
-      </p:par>
-    </p:tnLst>
-    <p:bldLst>
-      <p:bldP spid="6" grpId="0"/>
-      <p:bldP spid="7" grpId="0"/>
-    </p:bldLst>
-  </p:timing>
-</p:sld>
-</file>
-
-<file path=ppt/slides/slide8.xml><?xml version="1.0" encoding="utf-8"?>
-<p:sld xmlns:a="http://schemas.openxmlformats.org/drawingml/2006/main" xmlns:r="http://schemas.openxmlformats.org/officeDocument/2006/relationships" xmlns:p="http://schemas.openxmlformats.org/presentationml/2006/main">
-  <p:cSld>
-    <p:spTree>
-      <p:nvGrpSpPr>
-        <p:cNvPr id="1" name=""/>
-        <p:cNvGrpSpPr/>
-        <p:nvPr/>
-      </p:nvGrpSpPr>
-      <p:grpSpPr>
-        <a:xfrm>
-          <a:off x="0" y="0"/>
-          <a:ext cx="0" cy="0"/>
-          <a:chOff x="0" y="0"/>
-          <a:chExt cx="0" cy="0"/>
-        </a:xfrm>
-      </p:grpSpPr>
-      <p:sp>
-        <p:nvSpPr>
           <p:cNvPr id="6" name="TextBox 5">
             <a:extLst>
               <a:ext uri="{FF2B5EF4-FFF2-40B4-BE49-F238E27FC236}">
@@ -7898,7 +7346,7 @@
 </p:sld>
 </file>
 
-<file path=ppt/slides/slide9.xml><?xml version="1.0" encoding="utf-8"?>
+<file path=ppt/slides/slide8.xml><?xml version="1.0" encoding="utf-8"?>
 <p:sld xmlns:a="http://schemas.openxmlformats.org/drawingml/2006/main" xmlns:r="http://schemas.openxmlformats.org/officeDocument/2006/relationships" xmlns:p="http://schemas.openxmlformats.org/presentationml/2006/main">
   <p:cSld>
     <p:spTree>
@@ -8580,6 +8028,196 @@
       <p:bldP spid="5" grpId="0" animBg="1"/>
     </p:bldLst>
   </p:timing>
+</p:sld>
+</file>
+
+<file path=ppt/slides/slide9.xml><?xml version="1.0" encoding="utf-8"?>
+<p:sld xmlns:a="http://schemas.openxmlformats.org/drawingml/2006/main" xmlns:r="http://schemas.openxmlformats.org/officeDocument/2006/relationships" xmlns:p="http://schemas.openxmlformats.org/presentationml/2006/main">
+  <p:cSld>
+    <p:spTree>
+      <p:nvGrpSpPr>
+        <p:cNvPr id="1" name=""/>
+        <p:cNvGrpSpPr/>
+        <p:nvPr/>
+      </p:nvGrpSpPr>
+      <p:grpSpPr>
+        <a:xfrm>
+          <a:off x="0" y="0"/>
+          <a:ext cx="0" cy="0"/>
+          <a:chOff x="0" y="0"/>
+          <a:chExt cx="0" cy="0"/>
+        </a:xfrm>
+      </p:grpSpPr>
+      <p:sp>
+        <p:nvSpPr>
+          <p:cNvPr id="2" name="Title 1">
+            <a:extLst>
+              <a:ext uri="{FF2B5EF4-FFF2-40B4-BE49-F238E27FC236}">
+                <a16:creationId xmlns:a16="http://schemas.microsoft.com/office/drawing/2014/main" id="{3FF85E5A-B5A2-531F-6EF1-4847B697086C}"/>
+              </a:ext>
+            </a:extLst>
+          </p:cNvPr>
+          <p:cNvSpPr>
+            <a:spLocks noGrp="1"/>
+          </p:cNvSpPr>
+          <p:nvPr>
+            <p:ph type="title"/>
+          </p:nvPr>
+        </p:nvSpPr>
+        <p:spPr>
+          <a:xfrm>
+            <a:off x="144556" y="135532"/>
+            <a:ext cx="7886700" cy="502243"/>
+          </a:xfrm>
+        </p:spPr>
+        <p:txBody>
+          <a:bodyPr>
+            <a:normAutofit fontScale="90000"/>
+          </a:bodyPr>
+          <a:lstStyle/>
+          <a:p>
+            <a:r>
+              <a:rPr lang="en-CH"/>
+              <a:t>Example of learning</a:t>
+            </a:r>
+          </a:p>
+        </p:txBody>
+      </p:sp>
+      <p:pic>
+        <p:nvPicPr>
+          <p:cNvPr id="3074" name="Picture 2" descr="A Practical Approach to Linear Regression in Machine Learning | by Ashwin  Raj | Towards Data Science">
+            <a:extLst>
+              <a:ext uri="{FF2B5EF4-FFF2-40B4-BE49-F238E27FC236}">
+                <a16:creationId xmlns:a16="http://schemas.microsoft.com/office/drawing/2014/main" id="{04788929-A5E0-C7D1-C405-9B7F1856F5C6}"/>
+              </a:ext>
+            </a:extLst>
+          </p:cNvPr>
+          <p:cNvPicPr>
+            <a:picLocks noGrp="1" noChangeAspect="1" noChangeArrowheads="1"/>
+          </p:cNvPicPr>
+          <p:nvPr>
+            <p:ph idx="1"/>
+          </p:nvPr>
+        </p:nvPicPr>
+        <p:blipFill>
+          <a:blip r:embed="rId2">
+            <a:extLst>
+              <a:ext uri="{28A0092B-C50C-407E-A947-70E740481C1C}">
+                <a14:useLocalDpi xmlns:a14="http://schemas.microsoft.com/office/drawing/2010/main" val="0"/>
+              </a:ext>
+            </a:extLst>
+          </a:blip>
+          <a:srcRect/>
+          <a:stretch>
+            <a:fillRect/>
+          </a:stretch>
+        </p:blipFill>
+        <p:spPr bwMode="auto">
+          <a:xfrm>
+            <a:off x="2018708" y="637775"/>
+            <a:ext cx="5106583" cy="3829937"/>
+          </a:xfrm>
+          <a:prstGeom prst="rect">
+            <a:avLst/>
+          </a:prstGeom>
+          <a:noFill/>
+          <a:extLst>
+            <a:ext uri="{909E8E84-426E-40DD-AFC4-6F175D3DCCD1}">
+              <a14:hiddenFill xmlns:a14="http://schemas.microsoft.com/office/drawing/2010/main">
+                <a:solidFill>
+                  <a:srgbClr val="FFFFFF"/>
+                </a:solidFill>
+              </a14:hiddenFill>
+            </a:ext>
+          </a:extLst>
+        </p:spPr>
+      </p:pic>
+      <p:sp>
+        <p:nvSpPr>
+          <p:cNvPr id="4" name="TextBox 3">
+            <a:extLst>
+              <a:ext uri="{FF2B5EF4-FFF2-40B4-BE49-F238E27FC236}">
+                <a16:creationId xmlns:a16="http://schemas.microsoft.com/office/drawing/2014/main" id="{88C4DAC0-61B2-02C0-4DE8-8D0E91B1702D}"/>
+              </a:ext>
+            </a:extLst>
+          </p:cNvPr>
+          <p:cNvSpPr txBox="1"/>
+          <p:nvPr/>
+        </p:nvSpPr>
+        <p:spPr>
+          <a:xfrm>
+            <a:off x="7388391" y="4881010"/>
+            <a:ext cx="1755609" cy="253916"/>
+          </a:xfrm>
+          <a:prstGeom prst="rect">
+            <a:avLst/>
+          </a:prstGeom>
+          <a:noFill/>
+        </p:spPr>
+        <p:txBody>
+          <a:bodyPr wrap="none" rtlCol="0">
+            <a:spAutoFit/>
+          </a:bodyPr>
+          <a:lstStyle/>
+          <a:p>
+            <a:r>
+              <a:rPr lang="en-CH" sz="1050"/>
+              <a:t>Image © Towarddatascience</a:t>
+            </a:r>
+          </a:p>
+        </p:txBody>
+      </p:sp>
+      <p:cxnSp>
+        <p:nvCxnSpPr>
+          <p:cNvPr id="6" name="Straight Connector 5">
+            <a:extLst>
+              <a:ext uri="{FF2B5EF4-FFF2-40B4-BE49-F238E27FC236}">
+                <a16:creationId xmlns:a16="http://schemas.microsoft.com/office/drawing/2014/main" id="{C9D88843-BA68-45EC-319A-B62833A19C12}"/>
+              </a:ext>
+            </a:extLst>
+          </p:cNvPr>
+          <p:cNvCxnSpPr/>
+          <p:nvPr/>
+        </p:nvCxnSpPr>
+        <p:spPr>
+          <a:xfrm flipV="1">
+            <a:off x="2351314" y="1191025"/>
+            <a:ext cx="5037077" cy="2750885"/>
+          </a:xfrm>
+          <a:prstGeom prst="line">
+            <a:avLst/>
+          </a:prstGeom>
+          <a:ln w="38100">
+            <a:solidFill>
+              <a:srgbClr val="FF0000"/>
+            </a:solidFill>
+          </a:ln>
+        </p:spPr>
+        <p:style>
+          <a:lnRef idx="1">
+            <a:schemeClr val="accent1"/>
+          </a:lnRef>
+          <a:fillRef idx="0">
+            <a:schemeClr val="accent1"/>
+          </a:fillRef>
+          <a:effectRef idx="0">
+            <a:schemeClr val="accent1"/>
+          </a:effectRef>
+          <a:fontRef idx="minor">
+            <a:schemeClr val="tx1"/>
+          </a:fontRef>
+        </p:style>
+      </p:cxnSp>
+    </p:spTree>
+    <p:extLst>
+      <p:ext uri="{BB962C8B-B14F-4D97-AF65-F5344CB8AC3E}">
+        <p14:creationId xmlns:p14="http://schemas.microsoft.com/office/powerpoint/2010/main" val="2464196625"/>
+      </p:ext>
+    </p:extLst>
+  </p:cSld>
+  <p:clrMapOvr>
+    <a:masterClrMapping/>
+  </p:clrMapOvr>
 </p:sld>
 </file>
 

--- a/DAY1/01 - Introduction to Learning/Introduction to Learning.pptx
+++ b/DAY1/01 - Introduction to Learning/Introduction to Learning.pptx
@@ -5,11 +5,11 @@
     <p:sldMasterId id="2147483663" r:id="rId1"/>
   </p:sldMasterIdLst>
   <p:notesMasterIdLst>
-    <p:notesMasterId r:id="rId12"/>
+    <p:notesMasterId r:id="rId14"/>
   </p:notesMasterIdLst>
   <p:sldIdLst>
     <p:sldId id="256" r:id="rId2"/>
-    <p:sldId id="347" r:id="rId3"/>
+    <p:sldId id="352" r:id="rId3"/>
     <p:sldId id="348" r:id="rId4"/>
     <p:sldId id="349" r:id="rId5"/>
     <p:sldId id="350" r:id="rId6"/>
@@ -18,20 +18,22 @@
     <p:sldId id="303" r:id="rId9"/>
     <p:sldId id="320" r:id="rId10"/>
     <p:sldId id="351" r:id="rId11"/>
+    <p:sldId id="353" r:id="rId12"/>
+    <p:sldId id="354" r:id="rId13"/>
   </p:sldIdLst>
   <p:sldSz cx="9144000" cy="5143500" type="screen16x9"/>
   <p:notesSz cx="6858000" cy="9144000"/>
   <p:embeddedFontLst>
     <p:embeddedFont>
       <p:font typeface="Arial Narrow" panose="020B0604020202020204" pitchFamily="34" charset="0"/>
-      <p:regular r:id="rId13"/>
-      <p:bold r:id="rId14"/>
-      <p:italic r:id="rId15"/>
-      <p:boldItalic r:id="rId16"/>
+      <p:regular r:id="rId15"/>
+      <p:bold r:id="rId16"/>
+      <p:italic r:id="rId17"/>
+      <p:boldItalic r:id="rId18"/>
     </p:embeddedFont>
     <p:embeddedFont>
       <p:font typeface="Cambria Math" panose="02040503050406030204" pitchFamily="18" charset="0"/>
-      <p:regular r:id="rId17"/>
+      <p:regular r:id="rId19"/>
     </p:embeddedFont>
   </p:embeddedFontLst>
   <p:defaultTextStyle>
@@ -841,7 +843,7 @@
           <a:lstStyle/>
           <a:p>
             <a:fld id="{383FCE59-ED68-1145-BEA5-66C22E95295E}" type="datetimeFigureOut">
-              <a:t>11.01.2024</a:t>
+              <a:t>14.01.2024</a:t>
             </a:fld>
             <a:endParaRPr lang="en-CH"/>
           </a:p>
@@ -1050,7 +1052,7 @@
           <a:lstStyle/>
           <a:p>
             <a:fld id="{383FCE59-ED68-1145-BEA5-66C22E95295E}" type="datetimeFigureOut">
-              <a:t>11.01.2024</a:t>
+              <a:t>14.01.2024</a:t>
             </a:fld>
             <a:endParaRPr lang="en-CH"/>
           </a:p>
@@ -1269,7 +1271,7 @@
           <a:lstStyle/>
           <a:p>
             <a:fld id="{383FCE59-ED68-1145-BEA5-66C22E95295E}" type="datetimeFigureOut">
-              <a:t>11.01.2024</a:t>
+              <a:t>14.01.2024</a:t>
             </a:fld>
             <a:endParaRPr lang="en-CH"/>
           </a:p>
@@ -1478,7 +1480,7 @@
           <a:lstStyle/>
           <a:p>
             <a:fld id="{383FCE59-ED68-1145-BEA5-66C22E95295E}" type="datetimeFigureOut">
-              <a:t>11.01.2024</a:t>
+              <a:t>14.01.2024</a:t>
             </a:fld>
             <a:endParaRPr lang="en-CH"/>
           </a:p>
@@ -1763,7 +1765,7 @@
           <a:lstStyle/>
           <a:p>
             <a:fld id="{383FCE59-ED68-1145-BEA5-66C22E95295E}" type="datetimeFigureOut">
-              <a:t>11.01.2024</a:t>
+              <a:t>14.01.2024</a:t>
             </a:fld>
             <a:endParaRPr lang="en-CH"/>
           </a:p>
@@ -2040,7 +2042,7 @@
           <a:lstStyle/>
           <a:p>
             <a:fld id="{383FCE59-ED68-1145-BEA5-66C22E95295E}" type="datetimeFigureOut">
-              <a:t>11.01.2024</a:t>
+              <a:t>14.01.2024</a:t>
             </a:fld>
             <a:endParaRPr lang="en-CH"/>
           </a:p>
@@ -2464,7 +2466,7 @@
           <a:lstStyle/>
           <a:p>
             <a:fld id="{383FCE59-ED68-1145-BEA5-66C22E95295E}" type="datetimeFigureOut">
-              <a:t>11.01.2024</a:t>
+              <a:t>14.01.2024</a:t>
             </a:fld>
             <a:endParaRPr lang="en-CH"/>
           </a:p>
@@ -2615,7 +2617,7 @@
           <a:lstStyle/>
           <a:p>
             <a:fld id="{383FCE59-ED68-1145-BEA5-66C22E95295E}" type="datetimeFigureOut">
-              <a:t>11.01.2024</a:t>
+              <a:t>14.01.2024</a:t>
             </a:fld>
             <a:endParaRPr lang="en-CH"/>
           </a:p>
@@ -2737,7 +2739,7 @@
           <a:lstStyle/>
           <a:p>
             <a:fld id="{383FCE59-ED68-1145-BEA5-66C22E95295E}" type="datetimeFigureOut">
-              <a:t>11.01.2024</a:t>
+              <a:t>14.01.2024</a:t>
             </a:fld>
             <a:endParaRPr lang="en-CH"/>
           </a:p>
@@ -3059,7 +3061,7 @@
           <a:lstStyle/>
           <a:p>
             <a:fld id="{383FCE59-ED68-1145-BEA5-66C22E95295E}" type="datetimeFigureOut">
-              <a:t>11.01.2024</a:t>
+              <a:t>14.01.2024</a:t>
             </a:fld>
             <a:endParaRPr lang="en-CH"/>
           </a:p>
@@ -3357,7 +3359,7 @@
           <a:lstStyle/>
           <a:p>
             <a:fld id="{383FCE59-ED68-1145-BEA5-66C22E95295E}" type="datetimeFigureOut">
-              <a:t>11.01.2024</a:t>
+              <a:t>14.01.2024</a:t>
             </a:fld>
             <a:endParaRPr lang="en-CH"/>
           </a:p>
@@ -3612,7 +3614,7 @@
             <a:fld id="{383FCE59-ED68-1145-BEA5-66C22E95295E}" type="datetimeFigureOut">
               <a:rPr lang="en-CH"/>
               <a:pPr/>
-              <a:t>11.01.2024</a:t>
+              <a:t>14.01.2024</a:t>
             </a:fld>
             <a:endParaRPr lang="en-CH"/>
           </a:p>
@@ -4205,6 +4207,231 @@
 </p:sld>
 </file>
 
+<file path=ppt/slides/slide11.xml><?xml version="1.0" encoding="utf-8"?>
+<p:sld xmlns:a="http://schemas.openxmlformats.org/drawingml/2006/main" xmlns:r="http://schemas.openxmlformats.org/officeDocument/2006/relationships" xmlns:p="http://schemas.openxmlformats.org/presentationml/2006/main">
+  <p:cSld>
+    <p:spTree>
+      <p:nvGrpSpPr>
+        <p:cNvPr id="1" name=""/>
+        <p:cNvGrpSpPr/>
+        <p:nvPr/>
+      </p:nvGrpSpPr>
+      <p:grpSpPr>
+        <a:xfrm>
+          <a:off x="0" y="0"/>
+          <a:ext cx="0" cy="0"/>
+          <a:chOff x="0" y="0"/>
+          <a:chExt cx="0" cy="0"/>
+        </a:xfrm>
+      </p:grpSpPr>
+      <p:sp>
+        <p:nvSpPr>
+          <p:cNvPr id="2" name="Title 1">
+            <a:extLst>
+              <a:ext uri="{FF2B5EF4-FFF2-40B4-BE49-F238E27FC236}">
+                <a16:creationId xmlns:a16="http://schemas.microsoft.com/office/drawing/2014/main" id="{D0599F26-FA18-9293-FC2E-38C41BF805C0}"/>
+              </a:ext>
+            </a:extLst>
+          </p:cNvPr>
+          <p:cNvSpPr>
+            <a:spLocks noGrp="1"/>
+          </p:cNvSpPr>
+          <p:nvPr>
+            <p:ph type="title"/>
+          </p:nvPr>
+        </p:nvSpPr>
+        <p:spPr/>
+        <p:txBody>
+          <a:bodyPr/>
+          <a:lstStyle/>
+          <a:p>
+            <a:r>
+              <a:rPr lang="en-CH" dirty="0"/>
+              <a:t>Optimisation </a:t>
+            </a:r>
+            <a:r>
+              <a:rPr lang="en-GB" dirty="0"/>
+              <a:t>in Mathematics</a:t>
+            </a:r>
+            <a:endParaRPr lang="en-CH" dirty="0"/>
+          </a:p>
+        </p:txBody>
+      </p:sp>
+      <p:sp>
+        <p:nvSpPr>
+          <p:cNvPr id="3" name="Content Placeholder 2">
+            <a:extLst>
+              <a:ext uri="{FF2B5EF4-FFF2-40B4-BE49-F238E27FC236}">
+                <a16:creationId xmlns:a16="http://schemas.microsoft.com/office/drawing/2014/main" id="{7533B656-C348-405F-C9FA-423E2118AC8E}"/>
+              </a:ext>
+            </a:extLst>
+          </p:cNvPr>
+          <p:cNvSpPr>
+            <a:spLocks noGrp="1"/>
+          </p:cNvSpPr>
+          <p:nvPr>
+            <p:ph idx="1"/>
+          </p:nvPr>
+        </p:nvSpPr>
+        <p:spPr/>
+        <p:txBody>
+          <a:bodyPr>
+            <a:normAutofit/>
+          </a:bodyPr>
+          <a:lstStyle/>
+          <a:p>
+            <a:pPr marL="0" indent="0">
+              <a:buNone/>
+            </a:pPr>
+            <a:endParaRPr lang="en-GB" sz="2400" dirty="0"/>
+          </a:p>
+          <a:p>
+            <a:pPr marL="0" indent="0">
+              <a:buNone/>
+            </a:pPr>
+            <a:r>
+              <a:rPr lang="en-GB" sz="2400" dirty="0"/>
+              <a:t>Optimization involves finding the maximum or minimum value of a function within its domain. It often deals with determining the best allocation of resources under given constraints. Examples include minimizing cost, maximizing efficiency, or finding the best fit of a model to data.</a:t>
+            </a:r>
+            <a:endParaRPr lang="en-CH" sz="2400" dirty="0"/>
+          </a:p>
+        </p:txBody>
+      </p:sp>
+    </p:spTree>
+    <p:extLst>
+      <p:ext uri="{BB962C8B-B14F-4D97-AF65-F5344CB8AC3E}">
+        <p14:creationId xmlns:p14="http://schemas.microsoft.com/office/powerpoint/2010/main" val="2296896808"/>
+      </p:ext>
+    </p:extLst>
+  </p:cSld>
+  <p:clrMapOvr>
+    <a:masterClrMapping/>
+  </p:clrMapOvr>
+</p:sld>
+</file>
+
+<file path=ppt/slides/slide12.xml><?xml version="1.0" encoding="utf-8"?>
+<p:sld xmlns:a="http://schemas.openxmlformats.org/drawingml/2006/main" xmlns:r="http://schemas.openxmlformats.org/officeDocument/2006/relationships" xmlns:p="http://schemas.openxmlformats.org/presentationml/2006/main">
+  <p:cSld>
+    <p:spTree>
+      <p:nvGrpSpPr>
+        <p:cNvPr id="1" name=""/>
+        <p:cNvGrpSpPr/>
+        <p:nvPr/>
+      </p:nvGrpSpPr>
+      <p:grpSpPr>
+        <a:xfrm>
+          <a:off x="0" y="0"/>
+          <a:ext cx="0" cy="0"/>
+          <a:chOff x="0" y="0"/>
+          <a:chExt cx="0" cy="0"/>
+        </a:xfrm>
+      </p:grpSpPr>
+      <p:sp>
+        <p:nvSpPr>
+          <p:cNvPr id="2" name="Title 1">
+            <a:extLst>
+              <a:ext uri="{FF2B5EF4-FFF2-40B4-BE49-F238E27FC236}">
+                <a16:creationId xmlns:a16="http://schemas.microsoft.com/office/drawing/2014/main" id="{D0599F26-FA18-9293-FC2E-38C41BF805C0}"/>
+              </a:ext>
+            </a:extLst>
+          </p:cNvPr>
+          <p:cNvSpPr>
+            <a:spLocks noGrp="1"/>
+          </p:cNvSpPr>
+          <p:nvPr>
+            <p:ph type="title"/>
+          </p:nvPr>
+        </p:nvSpPr>
+        <p:spPr>
+          <a:xfrm>
+            <a:off x="113261" y="107589"/>
+            <a:ext cx="7886700" cy="590680"/>
+          </a:xfrm>
+        </p:spPr>
+        <p:txBody>
+          <a:bodyPr/>
+          <a:lstStyle/>
+          <a:p>
+            <a:r>
+              <a:rPr lang="en-CH" dirty="0"/>
+              <a:t>Optimisation </a:t>
+            </a:r>
+            <a:r>
+              <a:rPr lang="en-GB" dirty="0"/>
+              <a:t>in Machine Learning</a:t>
+            </a:r>
+            <a:endParaRPr lang="en-CH" dirty="0"/>
+          </a:p>
+        </p:txBody>
+      </p:sp>
+      <p:sp>
+        <p:nvSpPr>
+          <p:cNvPr id="3" name="Content Placeholder 2">
+            <a:extLst>
+              <a:ext uri="{FF2B5EF4-FFF2-40B4-BE49-F238E27FC236}">
+                <a16:creationId xmlns:a16="http://schemas.microsoft.com/office/drawing/2014/main" id="{7533B656-C348-405F-C9FA-423E2118AC8E}"/>
+              </a:ext>
+            </a:extLst>
+          </p:cNvPr>
+          <p:cNvSpPr>
+            <a:spLocks noGrp="1"/>
+          </p:cNvSpPr>
+          <p:nvPr>
+            <p:ph idx="1"/>
+          </p:nvPr>
+        </p:nvSpPr>
+        <p:spPr>
+          <a:xfrm>
+            <a:off x="628650" y="972590"/>
+            <a:ext cx="7886700" cy="3897066"/>
+          </a:xfrm>
+        </p:spPr>
+        <p:txBody>
+          <a:bodyPr>
+            <a:normAutofit/>
+          </a:bodyPr>
+          <a:lstStyle/>
+          <a:p>
+            <a:pPr marL="0" indent="0">
+              <a:buNone/>
+            </a:pPr>
+            <a:r>
+              <a:rPr lang="en-GB" sz="2400" dirty="0"/>
+              <a:t>Optimization is the process of adjusting a model's parameters to minimize the difference between the predicted output and the actual output (i.e., the error)*. This is typically done through iterative methods like gradient descent (more on that later). The goal is to improve the model's performance on a given task, such as classification or regression, by minimizing a loss function.</a:t>
+            </a:r>
+          </a:p>
+          <a:p>
+            <a:pPr marL="0" indent="0">
+              <a:buNone/>
+            </a:pPr>
+            <a:endParaRPr lang="en-GB" sz="2400" dirty="0"/>
+          </a:p>
+          <a:p>
+            <a:pPr marL="0" indent="0">
+              <a:buNone/>
+            </a:pPr>
+            <a:r>
+              <a:rPr lang="en-GB" sz="1600" dirty="0"/>
+              <a:t>* In supervised learning.</a:t>
+            </a:r>
+            <a:endParaRPr lang="en-CH" sz="1600" dirty="0"/>
+          </a:p>
+        </p:txBody>
+      </p:sp>
+    </p:spTree>
+    <p:extLst>
+      <p:ext uri="{BB962C8B-B14F-4D97-AF65-F5344CB8AC3E}">
+        <p14:creationId xmlns:p14="http://schemas.microsoft.com/office/powerpoint/2010/main" val="885943534"/>
+      </p:ext>
+    </p:extLst>
+  </p:cSld>
+  <p:clrMapOvr>
+    <a:masterClrMapping/>
+  </p:clrMapOvr>
+</p:sld>
+</file>
+
 <file path=ppt/slides/slide2.xml><?xml version="1.0" encoding="utf-8"?>
 <p:sld xmlns:a="http://schemas.openxmlformats.org/drawingml/2006/main" xmlns:r="http://schemas.openxmlformats.org/officeDocument/2006/relationships" xmlns:p="http://schemas.openxmlformats.org/presentationml/2006/main">
   <p:cSld>
@@ -4227,7 +4454,7 @@
           <p:cNvPr id="2" name="Title 1">
             <a:extLst>
               <a:ext uri="{FF2B5EF4-FFF2-40B4-BE49-F238E27FC236}">
-                <a16:creationId xmlns:a16="http://schemas.microsoft.com/office/drawing/2014/main" id="{AEED3EAF-35F7-26AA-78F7-FB8E3344F2EE}"/>
+                <a16:creationId xmlns:a16="http://schemas.microsoft.com/office/drawing/2014/main" id="{E6C71083-6EE7-939D-4BED-28BE40485CF7}"/>
               </a:ext>
             </a:extLst>
           </p:cNvPr>
@@ -4250,10 +4477,48 @@
           </a:p>
         </p:txBody>
       </p:sp>
+      <p:sp>
+        <p:nvSpPr>
+          <p:cNvPr id="3" name="Text Placeholder 2">
+            <a:extLst>
+              <a:ext uri="{FF2B5EF4-FFF2-40B4-BE49-F238E27FC236}">
+                <a16:creationId xmlns:a16="http://schemas.microsoft.com/office/drawing/2014/main" id="{2D77C8E1-6D4C-A05D-7842-67906065AE71}"/>
+              </a:ext>
+            </a:extLst>
+          </p:cNvPr>
+          <p:cNvSpPr>
+            <a:spLocks noGrp="1"/>
+          </p:cNvSpPr>
+          <p:nvPr>
+            <p:ph type="body" idx="1"/>
+          </p:nvPr>
+        </p:nvSpPr>
+        <p:spPr/>
+        <p:txBody>
+          <a:bodyPr/>
+          <a:lstStyle/>
+          <a:p>
+            <a:r>
+              <a:rPr lang="en-GB" dirty="0"/>
+              <a:t>“The limits of my language mean the limits of my world.” </a:t>
+            </a:r>
+          </a:p>
+          <a:p>
+            <a:pPr algn="r"/>
+            <a:r>
+              <a:rPr lang="en-GB" dirty="0"/>
+              <a:t>— Ludwig Wittgenstein.</a:t>
+            </a:r>
+          </a:p>
+          <a:p>
+            <a:endParaRPr lang="en-CH" dirty="0"/>
+          </a:p>
+        </p:txBody>
+      </p:sp>
     </p:spTree>
     <p:extLst>
       <p:ext uri="{BB962C8B-B14F-4D97-AF65-F5344CB8AC3E}">
-        <p14:creationId xmlns:p14="http://schemas.microsoft.com/office/powerpoint/2010/main" val="13623015"/>
+        <p14:creationId xmlns:p14="http://schemas.microsoft.com/office/powerpoint/2010/main" val="1754940250"/>
       </p:ext>
     </p:extLst>
   </p:cSld>
@@ -4294,8 +4559,8 @@
         </p:nvSpPr>
         <p:spPr>
           <a:xfrm>
-            <a:off x="690466" y="1383478"/>
-            <a:ext cx="7931020" cy="2031325"/>
+            <a:off x="606490" y="1140589"/>
+            <a:ext cx="7931020" cy="2862322"/>
           </a:xfrm>
           <a:prstGeom prst="rect">
             <a:avLst/>
@@ -4309,7 +4574,7 @@
           <a:lstStyle/>
           <a:p>
             <a:r>
-              <a:rPr lang="en-GB" b="1" dirty="0">
+              <a:rPr lang="en-GB" sz="2000" b="1" dirty="0">
                 <a:latin typeface="Arial" panose="020B0604020202020204" pitchFamily="34" charset="0"/>
                 <a:cs typeface="Arial" panose="020B0604020202020204" pitchFamily="34" charset="0"/>
               </a:rPr>
@@ -4317,19 +4582,25 @@
             </a:r>
           </a:p>
           <a:p>
-            <a:endParaRPr lang="en-GB" b="1" dirty="0">
+            <a:endParaRPr lang="en-GB" sz="2000" b="1" dirty="0">
               <a:latin typeface="Arial" panose="020B0604020202020204" pitchFamily="34" charset="0"/>
               <a:cs typeface="Arial" panose="020B0604020202020204" pitchFamily="34" charset="0"/>
             </a:endParaRPr>
           </a:p>
           <a:p>
             <a:r>
-              <a:rPr lang="en-GB" dirty="0">
+              <a:rPr lang="en-GB" sz="2000" dirty="0">
                 <a:latin typeface="Arial" panose="020B0604020202020204" pitchFamily="34" charset="0"/>
                 <a:cs typeface="Arial" panose="020B0604020202020204" pitchFamily="34" charset="0"/>
               </a:rPr>
               <a:t>“Training a model from features and their corresponding labels. Supervised machine learning is analogous to learning a subject by studying a set of questions and their corresponding answers. After mastering the mapping between questions and answers, a student can then provide answers to new (never-before-seen) questions on the same topic.”</a:t>
             </a:r>
+          </a:p>
+          <a:p>
+            <a:endParaRPr lang="en-GB" sz="2000" dirty="0">
+              <a:latin typeface="Arial" panose="020B0604020202020204" pitchFamily="34" charset="0"/>
+              <a:cs typeface="Arial" panose="020B0604020202020204" pitchFamily="34" charset="0"/>
+            </a:endParaRPr>
           </a:p>
         </p:txBody>
       </p:sp>
@@ -4412,8 +4683,8 @@
         </p:nvSpPr>
         <p:spPr>
           <a:xfrm>
-            <a:off x="606490" y="972931"/>
-            <a:ext cx="7931020" cy="3416320"/>
+            <a:off x="606490" y="525036"/>
+            <a:ext cx="7931020" cy="4093428"/>
           </a:xfrm>
           <a:prstGeom prst="rect">
             <a:avLst/>
@@ -4427,7 +4698,7 @@
           <a:lstStyle/>
           <a:p>
             <a:r>
-              <a:rPr lang="en-GB" b="1" dirty="0">
+              <a:rPr lang="en-GB" sz="2000" b="1" dirty="0">
                 <a:latin typeface="Arial" panose="020B0604020202020204" pitchFamily="34" charset="0"/>
                 <a:cs typeface="Arial" panose="020B0604020202020204" pitchFamily="34" charset="0"/>
               </a:rPr>
@@ -4435,28 +4706,28 @@
             </a:r>
           </a:p>
           <a:p>
-            <a:endParaRPr lang="en-GB" b="1" dirty="0">
+            <a:endParaRPr lang="en-GB" sz="2000" b="1" dirty="0">
               <a:latin typeface="Arial" panose="020B0604020202020204" pitchFamily="34" charset="0"/>
               <a:cs typeface="Arial" panose="020B0604020202020204" pitchFamily="34" charset="0"/>
             </a:endParaRPr>
           </a:p>
           <a:p>
             <a:r>
-              <a:rPr lang="en-GB" dirty="0">
+              <a:rPr lang="en-GB" sz="2000" dirty="0">
                 <a:latin typeface="Arial" panose="020B0604020202020204" pitchFamily="34" charset="0"/>
                 <a:cs typeface="Arial" panose="020B0604020202020204" pitchFamily="34" charset="0"/>
               </a:rPr>
               <a:t>“Training a model to find patterns in a dataset, typically an </a:t>
             </a:r>
             <a:r>
-              <a:rPr lang="en-GB" b="1" dirty="0" err="1">
+              <a:rPr lang="en-GB" sz="2000" b="1" dirty="0" err="1">
                 <a:latin typeface="Arial" panose="020B0604020202020204" pitchFamily="34" charset="0"/>
                 <a:cs typeface="Arial" panose="020B0604020202020204" pitchFamily="34" charset="0"/>
               </a:rPr>
               <a:t>unlabeled</a:t>
             </a:r>
             <a:r>
-              <a:rPr lang="en-GB" dirty="0">
+              <a:rPr lang="en-GB" sz="2000" dirty="0">
                 <a:latin typeface="Arial" panose="020B0604020202020204" pitchFamily="34" charset="0"/>
                 <a:cs typeface="Arial" panose="020B0604020202020204" pitchFamily="34" charset="0"/>
               </a:rPr>
@@ -4465,21 +4736,21 @@
           </a:p>
           <a:p>
             <a:r>
-              <a:rPr lang="en-GB" dirty="0">
+              <a:rPr lang="en-GB" sz="2000" dirty="0">
                 <a:latin typeface="Arial" panose="020B0604020202020204" pitchFamily="34" charset="0"/>
                 <a:cs typeface="Arial" panose="020B0604020202020204" pitchFamily="34" charset="0"/>
               </a:rPr>
               <a:t>The most common use of unsupervised machine learning is to cluster data into groups of similar examples. For example, an unsupervised machine learning algorithm can </a:t>
             </a:r>
             <a:r>
-              <a:rPr lang="en-GB" b="1" dirty="0">
+              <a:rPr lang="en-GB" sz="2000" b="1" dirty="0">
                 <a:latin typeface="Arial" panose="020B0604020202020204" pitchFamily="34" charset="0"/>
                 <a:cs typeface="Arial" panose="020B0604020202020204" pitchFamily="34" charset="0"/>
               </a:rPr>
               <a:t>cluster</a:t>
             </a:r>
             <a:r>
-              <a:rPr lang="en-GB" dirty="0">
+              <a:rPr lang="en-GB" sz="2000" dirty="0">
                 <a:latin typeface="Arial" panose="020B0604020202020204" pitchFamily="34" charset="0"/>
                 <a:cs typeface="Arial" panose="020B0604020202020204" pitchFamily="34" charset="0"/>
               </a:rPr>
@@ -4580,8 +4851,8 @@
         </p:nvSpPr>
         <p:spPr>
           <a:xfrm>
-            <a:off x="606490" y="972931"/>
-            <a:ext cx="7931020" cy="2308324"/>
+            <a:off x="606490" y="1140589"/>
+            <a:ext cx="7931020" cy="2862322"/>
           </a:xfrm>
           <a:prstGeom prst="rect">
             <a:avLst/>
@@ -4595,7 +4866,7 @@
           <a:lstStyle/>
           <a:p>
             <a:r>
-              <a:rPr lang="en-GB" b="1" dirty="0">
+              <a:rPr lang="en-GB" sz="2000" b="1" dirty="0">
                 <a:latin typeface="Arial" panose="020B0604020202020204" pitchFamily="34" charset="0"/>
                 <a:cs typeface="Arial" panose="020B0604020202020204" pitchFamily="34" charset="0"/>
               </a:rPr>
@@ -4603,21 +4874,21 @@
             </a:r>
           </a:p>
           <a:p>
-            <a:endParaRPr lang="en-GB" b="1" dirty="0">
+            <a:endParaRPr lang="en-GB" sz="2000" b="1" dirty="0">
               <a:latin typeface="Arial" panose="020B0604020202020204" pitchFamily="34" charset="0"/>
               <a:cs typeface="Arial" panose="020B0604020202020204" pitchFamily="34" charset="0"/>
             </a:endParaRPr>
           </a:p>
           <a:p>
             <a:r>
-              <a:rPr lang="en-GB" dirty="0">
+              <a:rPr lang="en-GB" sz="2000" dirty="0">
                 <a:latin typeface="Arial" panose="020B0604020202020204" pitchFamily="34" charset="0"/>
                 <a:cs typeface="Arial" panose="020B0604020202020204" pitchFamily="34" charset="0"/>
               </a:rPr>
               <a:t>“</a:t>
             </a:r>
             <a:r>
-              <a:rPr lang="en-GB" dirty="0">
+              <a:rPr lang="en-GB" sz="2000" dirty="0">
                 <a:solidFill>
                   <a:srgbClr val="202122"/>
                 </a:solidFill>
@@ -4626,7 +4897,7 @@
               <a:t>Semi-supervised learning falls between unsupervised learning (without any </a:t>
             </a:r>
             <a:r>
-              <a:rPr lang="en-GB" dirty="0" err="1">
+              <a:rPr lang="en-GB" sz="2000" dirty="0" err="1">
                 <a:solidFill>
                   <a:srgbClr val="202122"/>
                 </a:solidFill>
@@ -4635,7 +4906,7 @@
               <a:t>labeled</a:t>
             </a:r>
             <a:r>
-              <a:rPr lang="en-GB" dirty="0">
+              <a:rPr lang="en-GB" sz="2000" dirty="0">
                 <a:solidFill>
                   <a:srgbClr val="202122"/>
                 </a:solidFill>
@@ -4644,7 +4915,7 @@
               <a:t> training data) and supervised learning (with completely </a:t>
             </a:r>
             <a:r>
-              <a:rPr lang="en-GB" dirty="0" err="1">
+              <a:rPr lang="en-GB" sz="2000" dirty="0" err="1">
                 <a:solidFill>
                   <a:srgbClr val="202122"/>
                 </a:solidFill>
@@ -4653,7 +4924,7 @@
               <a:t>labeled</a:t>
             </a:r>
             <a:r>
-              <a:rPr lang="en-GB" dirty="0">
+              <a:rPr lang="en-GB" sz="2000" dirty="0">
                 <a:solidFill>
                   <a:srgbClr val="202122"/>
                 </a:solidFill>
@@ -4662,7 +4933,7 @@
               <a:t> training data). Some of the training examples are missing </a:t>
             </a:r>
             <a:r>
-              <a:rPr lang="en-GB" b="0" i="0" dirty="0">
+              <a:rPr lang="en-GB" sz="2000" b="0" i="0" dirty="0">
                 <a:solidFill>
                   <a:srgbClr val="202122"/>
                 </a:solidFill>
@@ -4672,7 +4943,7 @@
               <a:t>training labels, yet many machine-learning researchers have found that </a:t>
             </a:r>
             <a:r>
-              <a:rPr lang="en-GB" b="0" i="0" dirty="0" err="1">
+              <a:rPr lang="en-GB" sz="2000" b="0" i="0" dirty="0" err="1">
                 <a:solidFill>
                   <a:srgbClr val="202122"/>
                 </a:solidFill>
@@ -4682,7 +4953,7 @@
               <a:t>unlabeled</a:t>
             </a:r>
             <a:r>
-              <a:rPr lang="en-GB" b="0" i="0" dirty="0">
+              <a:rPr lang="en-GB" sz="2000" b="0" i="0" dirty="0">
                 <a:solidFill>
                   <a:srgbClr val="202122"/>
                 </a:solidFill>
@@ -4692,7 +4963,7 @@
               <a:t> data, when used in conjunction with a small amount of </a:t>
             </a:r>
             <a:r>
-              <a:rPr lang="en-GB" b="0" i="0" dirty="0" err="1">
+              <a:rPr lang="en-GB" sz="2000" b="0" i="0" dirty="0" err="1">
                 <a:solidFill>
                   <a:srgbClr val="202122"/>
                 </a:solidFill>
@@ -4702,7 +4973,7 @@
               <a:t>labeled</a:t>
             </a:r>
             <a:r>
-              <a:rPr lang="en-GB" b="0" i="0" dirty="0">
+              <a:rPr lang="en-GB" sz="2000" b="0" i="0" dirty="0">
                 <a:solidFill>
                   <a:srgbClr val="202122"/>
                 </a:solidFill>
@@ -4711,7 +4982,7 @@
               </a:rPr>
               <a:t> data, can produce a considerable improvement in learning accuracy.”</a:t>
             </a:r>
-            <a:endParaRPr lang="en-GB" dirty="0">
+            <a:endParaRPr lang="en-GB" sz="2000" dirty="0">
               <a:latin typeface="Arial" panose="020B0604020202020204" pitchFamily="34" charset="0"/>
               <a:cs typeface="Arial" panose="020B0604020202020204" pitchFamily="34" charset="0"/>
             </a:endParaRPr>
